--- a/Simerpreet_Reddy_CaseStudy2.pptx
+++ b/Simerpreet_Reddy_CaseStudy2.pptx
@@ -251,7 +251,7 @@
           <a:p>
             <a:fld id="{F428F830-5D89-43DF-91EE-4BCB29C665A5}" type="datetimeFigureOut">
               <a:rPr lang="en-US" smtClean="0"/>
-              <a:t>3/11/2020</a:t>
+              <a:t>3/14/2020</a:t>
             </a:fld>
             <a:endParaRPr lang="en-US"/>
           </a:p>
@@ -432,7 +432,7 @@
           <a:p>
             <a:fld id="{8D6A5B82-772D-429E-808E-66DD5DDC7179}" type="datetimeFigureOut">
               <a:rPr lang="en-US" smtClean="0"/>
-              <a:t>3/11/2020</a:t>
+              <a:t>3/14/2020</a:t>
             </a:fld>
             <a:endParaRPr lang="en-US"/>
           </a:p>
@@ -7213,7 +7213,7 @@
             </a:r>
             <a:r>
               <a:rPr lang="en-US" dirty="0"/>
-              <a:t> provided higher of &gt;86%</a:t>
+              <a:t> provided accuracy &gt;86%</a:t>
             </a:r>
           </a:p>
           <a:p>
@@ -7368,34 +7368,12 @@
             </a:r>
           </a:p>
           <a:p>
-            <a:endParaRPr lang="en-US" dirty="0"/>
-          </a:p>
-        </p:txBody>
-      </p:sp>
-      <p:sp>
-        <p:nvSpPr>
-          <p:cNvPr id="5" name="Content Placeholder 4">
-            <a:extLst>
-              <a:ext uri="{FF2B5EF4-FFF2-40B4-BE49-F238E27FC236}">
-                <a16:creationId xmlns:a16="http://schemas.microsoft.com/office/drawing/2014/main" id="{AEDF55E4-9333-4B05-A8B5-078C53CF42DC}"/>
-              </a:ext>
-            </a:extLst>
-          </p:cNvPr>
-          <p:cNvSpPr>
-            <a:spLocks noGrp="1"/>
-          </p:cNvSpPr>
-          <p:nvPr>
-            <p:ph sz="half" idx="2"/>
-          </p:nvPr>
-        </p:nvSpPr>
-        <p:spPr/>
-        <p:txBody>
-          <a:bodyPr/>
-          <a:lstStyle/>
-          <a:p>
             <a:pPr marL="0" indent="0">
               <a:buNone/>
             </a:pPr>
+            <a:endParaRPr lang="en-US" dirty="0"/>
+          </a:p>
+          <a:p>
             <a:endParaRPr lang="en-US" dirty="0"/>
           </a:p>
         </p:txBody>
@@ -7424,6 +7402,36 @@
           <a:xfrm>
             <a:off x="7222836" y="6266262"/>
             <a:ext cx="1921164" cy="485521"/>
+          </a:xfrm>
+          <a:prstGeom prst="rect">
+            <a:avLst/>
+          </a:prstGeom>
+        </p:spPr>
+      </p:pic>
+      <p:pic>
+        <p:nvPicPr>
+          <p:cNvPr id="6" name="Picture 5">
+            <a:extLst>
+              <a:ext uri="{FF2B5EF4-FFF2-40B4-BE49-F238E27FC236}">
+                <a16:creationId xmlns:a16="http://schemas.microsoft.com/office/drawing/2014/main" id="{43141166-36FF-452A-9BAA-16036AEB55C6}"/>
+              </a:ext>
+            </a:extLst>
+          </p:cNvPr>
+          <p:cNvPicPr>
+            <a:picLocks noChangeAspect="1"/>
+          </p:cNvPicPr>
+          <p:nvPr/>
+        </p:nvPicPr>
+        <p:blipFill>
+          <a:blip r:embed="rId3"/>
+          <a:stretch>
+            <a:fillRect/>
+          </a:stretch>
+        </p:blipFill>
+        <p:spPr>
+          <a:xfrm>
+            <a:off x="514350" y="3105150"/>
+            <a:ext cx="4133850" cy="2152650"/>
           </a:xfrm>
           <a:prstGeom prst="rect">
             <a:avLst/>
